--- a/slides/final_presentation.pptx
+++ b/slides/final_presentation.pptx
@@ -8,8 +8,9 @@
     <p:sldId id="256" r:id="rId2"/>
     <p:sldId id="257" r:id="rId3"/>
     <p:sldId id="258" r:id="rId4"/>
-    <p:sldId id="259" r:id="rId5"/>
-    <p:sldId id="260" r:id="rId6"/>
+    <p:sldId id="262" r:id="rId5"/>
+    <p:sldId id="259" r:id="rId6"/>
+    <p:sldId id="260" r:id="rId7"/>
   </p:sldIdLst>
   <p:sldSz cx="12192000" cy="6858000"/>
   <p:notesSz cx="6858000" cy="9144000"/>
@@ -108,6 +109,11 @@
       </a:defRPr>
     </a:lvl9pPr>
   </p:defaultTextStyle>
+  <p:extLst>
+    <p:ext uri="{EFAFB233-063F-42B5-8137-9DF3F51BA10A}">
+      <p15:sldGuideLst xmlns:p15="http://schemas.microsoft.com/office/powerpoint/2012/main"/>
+    </p:ext>
+  </p:extLst>
 </p:presentation>
 </file>
 
@@ -258,7 +264,7 @@
           <a:p>
             <a:fld id="{6BF0A0A1-9F06-BB40-AA77-B24FCBB9D71A}" type="datetimeFigureOut">
               <a:rPr lang="en-US" smtClean="0"/>
-              <a:t>3/8/20</a:t>
+              <a:t>3/9/20</a:t>
             </a:fld>
             <a:endParaRPr lang="en-US"/>
           </a:p>
@@ -456,7 +462,7 @@
           <a:p>
             <a:fld id="{6BF0A0A1-9F06-BB40-AA77-B24FCBB9D71A}" type="datetimeFigureOut">
               <a:rPr lang="en-US" smtClean="0"/>
-              <a:t>3/8/20</a:t>
+              <a:t>3/9/20</a:t>
             </a:fld>
             <a:endParaRPr lang="en-US"/>
           </a:p>
@@ -664,7 +670,7 @@
           <a:p>
             <a:fld id="{6BF0A0A1-9F06-BB40-AA77-B24FCBB9D71A}" type="datetimeFigureOut">
               <a:rPr lang="en-US" smtClean="0"/>
-              <a:t>3/8/20</a:t>
+              <a:t>3/9/20</a:t>
             </a:fld>
             <a:endParaRPr lang="en-US"/>
           </a:p>
@@ -862,7 +868,7 @@
           <a:p>
             <a:fld id="{6BF0A0A1-9F06-BB40-AA77-B24FCBB9D71A}" type="datetimeFigureOut">
               <a:rPr lang="en-US" smtClean="0"/>
-              <a:t>3/8/20</a:t>
+              <a:t>3/9/20</a:t>
             </a:fld>
             <a:endParaRPr lang="en-US"/>
           </a:p>
@@ -1137,7 +1143,7 @@
           <a:p>
             <a:fld id="{6BF0A0A1-9F06-BB40-AA77-B24FCBB9D71A}" type="datetimeFigureOut">
               <a:rPr lang="en-US" smtClean="0"/>
-              <a:t>3/8/20</a:t>
+              <a:t>3/9/20</a:t>
             </a:fld>
             <a:endParaRPr lang="en-US"/>
           </a:p>
@@ -1402,7 +1408,7 @@
           <a:p>
             <a:fld id="{6BF0A0A1-9F06-BB40-AA77-B24FCBB9D71A}" type="datetimeFigureOut">
               <a:rPr lang="en-US" smtClean="0"/>
-              <a:t>3/8/20</a:t>
+              <a:t>3/9/20</a:t>
             </a:fld>
             <a:endParaRPr lang="en-US"/>
           </a:p>
@@ -1814,7 +1820,7 @@
           <a:p>
             <a:fld id="{6BF0A0A1-9F06-BB40-AA77-B24FCBB9D71A}" type="datetimeFigureOut">
               <a:rPr lang="en-US" smtClean="0"/>
-              <a:t>3/8/20</a:t>
+              <a:t>3/9/20</a:t>
             </a:fld>
             <a:endParaRPr lang="en-US"/>
           </a:p>
@@ -1955,7 +1961,7 @@
           <a:p>
             <a:fld id="{6BF0A0A1-9F06-BB40-AA77-B24FCBB9D71A}" type="datetimeFigureOut">
               <a:rPr lang="en-US" smtClean="0"/>
-              <a:t>3/8/20</a:t>
+              <a:t>3/9/20</a:t>
             </a:fld>
             <a:endParaRPr lang="en-US"/>
           </a:p>
@@ -2068,7 +2074,7 @@
           <a:p>
             <a:fld id="{6BF0A0A1-9F06-BB40-AA77-B24FCBB9D71A}" type="datetimeFigureOut">
               <a:rPr lang="en-US" smtClean="0"/>
-              <a:t>3/8/20</a:t>
+              <a:t>3/9/20</a:t>
             </a:fld>
             <a:endParaRPr lang="en-US"/>
           </a:p>
@@ -2379,7 +2385,7 @@
           <a:p>
             <a:fld id="{6BF0A0A1-9F06-BB40-AA77-B24FCBB9D71A}" type="datetimeFigureOut">
               <a:rPr lang="en-US" smtClean="0"/>
-              <a:t>3/8/20</a:t>
+              <a:t>3/9/20</a:t>
             </a:fld>
             <a:endParaRPr lang="en-US"/>
           </a:p>
@@ -2667,7 +2673,7 @@
           <a:p>
             <a:fld id="{6BF0A0A1-9F06-BB40-AA77-B24FCBB9D71A}" type="datetimeFigureOut">
               <a:rPr lang="en-US" smtClean="0"/>
-              <a:t>3/8/20</a:t>
+              <a:t>3/9/20</a:t>
             </a:fld>
             <a:endParaRPr lang="en-US"/>
           </a:p>
@@ -2908,7 +2914,7 @@
           <a:p>
             <a:fld id="{6BF0A0A1-9F06-BB40-AA77-B24FCBB9D71A}" type="datetimeFigureOut">
               <a:rPr lang="en-US" smtClean="0"/>
-              <a:t>3/8/20</a:t>
+              <a:t>3/9/20</a:t>
             </a:fld>
             <a:endParaRPr lang="en-US"/>
           </a:p>
@@ -3712,6 +3718,146 @@
           <p:cNvPr id="2" name="Title 1">
             <a:extLst>
               <a:ext uri="{FF2B5EF4-FFF2-40B4-BE49-F238E27FC236}">
+                <a16:creationId xmlns:a16="http://schemas.microsoft.com/office/drawing/2014/main" id="{77DBF8FC-8681-F849-BD26-912019AA66B7}"/>
+              </a:ext>
+            </a:extLst>
+          </p:cNvPr>
+          <p:cNvSpPr>
+            <a:spLocks noGrp="1"/>
+          </p:cNvSpPr>
+          <p:nvPr>
+            <p:ph type="title"/>
+          </p:nvPr>
+        </p:nvSpPr>
+        <p:spPr/>
+        <p:txBody>
+          <a:bodyPr/>
+          <a:lstStyle/>
+          <a:p>
+            <a:r>
+              <a:rPr lang="en-US" dirty="0"/>
+              <a:t>Recap: Top-Down Euphony</a:t>
+            </a:r>
+          </a:p>
+        </p:txBody>
+      </p:sp>
+      <p:pic>
+        <p:nvPicPr>
+          <p:cNvPr id="8" name="Picture 7">
+            <a:extLst>
+              <a:ext uri="{FF2B5EF4-FFF2-40B4-BE49-F238E27FC236}">
+                <a16:creationId xmlns:a16="http://schemas.microsoft.com/office/drawing/2014/main" id="{A2165634-25A0-4242-BB49-A813DC4FDF78}"/>
+              </a:ext>
+            </a:extLst>
+          </p:cNvPr>
+          <p:cNvPicPr>
+            <a:picLocks noChangeAspect="1"/>
+          </p:cNvPicPr>
+          <p:nvPr/>
+        </p:nvPicPr>
+        <p:blipFill>
+          <a:blip r:embed="rId2"/>
+          <a:stretch>
+            <a:fillRect/>
+          </a:stretch>
+        </p:blipFill>
+        <p:spPr>
+          <a:xfrm>
+            <a:off x="2301492" y="1469975"/>
+            <a:ext cx="7589015" cy="5067349"/>
+          </a:xfrm>
+          <a:prstGeom prst="rect">
+            <a:avLst/>
+          </a:prstGeom>
+        </p:spPr>
+      </p:pic>
+      <p:sp>
+        <p:nvSpPr>
+          <p:cNvPr id="7" name="Rectangle 6">
+            <a:extLst>
+              <a:ext uri="{FF2B5EF4-FFF2-40B4-BE49-F238E27FC236}">
+                <a16:creationId xmlns:a16="http://schemas.microsoft.com/office/drawing/2014/main" id="{4D60F6C7-994D-4842-AD61-CDEE376A8347}"/>
+              </a:ext>
+            </a:extLst>
+          </p:cNvPr>
+          <p:cNvSpPr/>
+          <p:nvPr/>
+        </p:nvSpPr>
+        <p:spPr>
+          <a:xfrm>
+            <a:off x="2301492" y="6366510"/>
+            <a:ext cx="7589015" cy="170814"/>
+          </a:xfrm>
+          <a:prstGeom prst="rect">
+            <a:avLst/>
+          </a:prstGeom>
+          <a:noFill/>
+          <a:ln w="50800">
+            <a:solidFill>
+              <a:srgbClr val="FF0000"/>
+            </a:solidFill>
+          </a:ln>
+        </p:spPr>
+        <p:style>
+          <a:lnRef idx="2">
+            <a:schemeClr val="accent1">
+              <a:shade val="50000"/>
+            </a:schemeClr>
+          </a:lnRef>
+          <a:fillRef idx="1">
+            <a:schemeClr val="accent1"/>
+          </a:fillRef>
+          <a:effectRef idx="0">
+            <a:schemeClr val="accent1"/>
+          </a:effectRef>
+          <a:fontRef idx="minor">
+            <a:schemeClr val="lt1"/>
+          </a:fontRef>
+        </p:style>
+        <p:txBody>
+          <a:bodyPr rtlCol="0" anchor="ctr"/>
+          <a:lstStyle/>
+          <a:p>
+            <a:pPr algn="ctr"/>
+            <a:endParaRPr lang="en-US"/>
+          </a:p>
+        </p:txBody>
+      </p:sp>
+    </p:spTree>
+    <p:extLst>
+      <p:ext uri="{BB962C8B-B14F-4D97-AF65-F5344CB8AC3E}">
+        <p14:creationId xmlns:p14="http://schemas.microsoft.com/office/powerpoint/2010/main" val="4205556180"/>
+      </p:ext>
+    </p:extLst>
+  </p:cSld>
+  <p:clrMapOvr>
+    <a:masterClrMapping/>
+  </p:clrMapOvr>
+</p:sld>
+</file>
+
+<file path=ppt/slides/slide5.xml><?xml version="1.0" encoding="utf-8"?>
+<p:sld xmlns:a="http://schemas.openxmlformats.org/drawingml/2006/main" xmlns:r="http://schemas.openxmlformats.org/officeDocument/2006/relationships" xmlns:p="http://schemas.openxmlformats.org/presentationml/2006/main">
+  <p:cSld>
+    <p:spTree>
+      <p:nvGrpSpPr>
+        <p:cNvPr id="1" name=""/>
+        <p:cNvGrpSpPr/>
+        <p:nvPr/>
+      </p:nvGrpSpPr>
+      <p:grpSpPr>
+        <a:xfrm>
+          <a:off x="0" y="0"/>
+          <a:ext cx="0" cy="0"/>
+          <a:chOff x="0" y="0"/>
+          <a:chExt cx="0" cy="0"/>
+        </a:xfrm>
+      </p:grpSpPr>
+      <p:sp>
+        <p:nvSpPr>
+          <p:cNvPr id="2" name="Title 1">
+            <a:extLst>
+              <a:ext uri="{FF2B5EF4-FFF2-40B4-BE49-F238E27FC236}">
                 <a16:creationId xmlns:a16="http://schemas.microsoft.com/office/drawing/2014/main" id="{58C72C09-9283-D64D-A341-AFF6BF1E3184}"/>
               </a:ext>
             </a:extLst>
@@ -3782,7 +3928,7 @@
 </p:sld>
 </file>
 
-<file path=ppt/slides/slide5.xml><?xml version="1.0" encoding="utf-8"?>
+<file path=ppt/slides/slide6.xml><?xml version="1.0" encoding="utf-8"?>
 <p:sld xmlns:a="http://schemas.openxmlformats.org/drawingml/2006/main" xmlns:r="http://schemas.openxmlformats.org/officeDocument/2006/relationships" xmlns:p="http://schemas.openxmlformats.org/presentationml/2006/main">
   <p:cSld>
     <p:spTree>
